--- a/IST 687 Final Presentation.pptx
+++ b/IST 687 Final Presentation.pptx
@@ -277,7 +277,7 @@
   </p:defaultTextStyle>
   <p:extLst>
     <p:ext uri="{EFAFB233-063F-42B5-8137-9DF3F51BA10A}">
-      <p15:sldGuideLst xmlns:p15="http://schemas.microsoft.com/office/powerpoint/2012/main">
+      <p15:sldGuideLst xmlns:p15="http://schemas.microsoft.com/office/powerpoint/2012/main" xmlns="">
         <p15:guide id="1" orient="horz" pos="1620">
           <p15:clr>
             <a:srgbClr val="A4A3A4"/>
@@ -501,6 +501,11 @@
         </p:txBody>
       </p:sp>
     </p:spTree>
+    <p:extLst>
+      <p:ext uri="{BB962C8B-B14F-4D97-AF65-F5344CB8AC3E}">
+        <p14:creationId xmlns:p14="http://schemas.microsoft.com/office/powerpoint/2010/main" val="3299343831"/>
+      </p:ext>
+    </p:extLst>
   </p:cSld>
   <p:clrMap bg1="lt1" tx1="dk1" bg2="dk2" tx2="lt2" accent1="accent1" accent2="accent2" accent3="accent3" accent4="accent4" accent5="accent5" accent6="accent6" hlink="hlink" folHlink="folHlink"/>
   <p:notesStyle>
@@ -764,8 +769,8 @@
         </p:nvSpPr>
         <p:spPr>
           <a:xfrm>
-            <a:off x="381300" y="685800"/>
-            <a:ext cx="6096075" cy="3429000"/>
+            <a:off x="381000" y="685800"/>
+            <a:ext cx="6096000" cy="3429000"/>
           </a:xfrm>
           <a:custGeom>
             <a:avLst/>
@@ -10836,10 +10841,18 @@
               <a:buNone/>
             </a:pPr>
             <a:r>
-              <a:rPr lang="en" sz="4400" b="1"/>
-              <a:t>Aviation Consulting Group</a:t>
+              <a:rPr lang="en" sz="4400" b="1" dirty="0" smtClean="0"/>
+              <a:t>IST687</a:t>
             </a:r>
-            <a:endParaRPr sz="4400" b="1"/>
+            <a:r>
+              <a:rPr lang="en" sz="4400" b="1" dirty="0" smtClean="0"/>
+              <a:t> </a:t>
+            </a:r>
+            <a:r>
+              <a:rPr lang="en" sz="4400" b="1" dirty="0"/>
+              <a:t>Consulting Group</a:t>
+            </a:r>
+            <a:endParaRPr sz="4400" b="1" dirty="0"/>
           </a:p>
           <a:p>
             <a:pPr marL="0" lvl="0" indent="0" algn="l" rtl="0">
@@ -10851,7 +10864,7 @@
               </a:spcAft>
               <a:buNone/>
             </a:pPr>
-            <a:endParaRPr sz="3900" b="1"/>
+            <a:endParaRPr sz="3900" b="1" dirty="0"/>
           </a:p>
         </p:txBody>
       </p:sp>
